--- a/problem_n_cial.pptx
+++ b/problem_n_cial.pptx
@@ -205,7 +205,7 @@
             <a:fld id="{91006778-789C-4292-AC32-2710996982C0}" type="datetimeFigureOut">
               <a:rPr lang="pl-PL" smtClean="0"/>
               <a:pPr/>
-              <a:t>2018-01-16</a:t>
+              <a:t>2018-01-17</a:t>
             </a:fld>
             <a:endParaRPr lang="pl-PL" dirty="0"/>
           </a:p>
@@ -962,7 +962,7 @@
             <a:fld id="{66221E02-25CB-4963-84BC-0813985E7D90}" type="datetimeFigureOut">
               <a:rPr lang="pl-PL" smtClean="0"/>
               <a:pPr/>
-              <a:t>2018-01-16</a:t>
+              <a:t>2018-01-17</a:t>
             </a:fld>
             <a:endParaRPr lang="pl-PL" dirty="0"/>
           </a:p>
@@ -1129,7 +1129,7 @@
             <a:fld id="{66221E02-25CB-4963-84BC-0813985E7D90}" type="datetimeFigureOut">
               <a:rPr lang="pl-PL" smtClean="0"/>
               <a:pPr/>
-              <a:t>2018-01-16</a:t>
+              <a:t>2018-01-17</a:t>
             </a:fld>
             <a:endParaRPr lang="pl-PL" dirty="0"/>
           </a:p>
@@ -1306,7 +1306,7 @@
             <a:fld id="{66221E02-25CB-4963-84BC-0813985E7D90}" type="datetimeFigureOut">
               <a:rPr lang="pl-PL" smtClean="0"/>
               <a:pPr/>
-              <a:t>2018-01-16</a:t>
+              <a:t>2018-01-17</a:t>
             </a:fld>
             <a:endParaRPr lang="pl-PL" dirty="0"/>
           </a:p>
@@ -1473,7 +1473,7 @@
             <a:fld id="{66221E02-25CB-4963-84BC-0813985E7D90}" type="datetimeFigureOut">
               <a:rPr lang="pl-PL" smtClean="0"/>
               <a:pPr/>
-              <a:t>2018-01-16</a:t>
+              <a:t>2018-01-17</a:t>
             </a:fld>
             <a:endParaRPr lang="pl-PL" dirty="0"/>
           </a:p>
@@ -1716,7 +1716,7 @@
             <a:fld id="{66221E02-25CB-4963-84BC-0813985E7D90}" type="datetimeFigureOut">
               <a:rPr lang="pl-PL" smtClean="0"/>
               <a:pPr/>
-              <a:t>2018-01-16</a:t>
+              <a:t>2018-01-17</a:t>
             </a:fld>
             <a:endParaRPr lang="pl-PL" dirty="0"/>
           </a:p>
@@ -2001,7 +2001,7 @@
             <a:fld id="{66221E02-25CB-4963-84BC-0813985E7D90}" type="datetimeFigureOut">
               <a:rPr lang="pl-PL" smtClean="0"/>
               <a:pPr/>
-              <a:t>2018-01-16</a:t>
+              <a:t>2018-01-17</a:t>
             </a:fld>
             <a:endParaRPr lang="pl-PL" dirty="0"/>
           </a:p>
@@ -2420,7 +2420,7 @@
             <a:fld id="{66221E02-25CB-4963-84BC-0813985E7D90}" type="datetimeFigureOut">
               <a:rPr lang="pl-PL" smtClean="0"/>
               <a:pPr/>
-              <a:t>2018-01-16</a:t>
+              <a:t>2018-01-17</a:t>
             </a:fld>
             <a:endParaRPr lang="pl-PL" dirty="0"/>
           </a:p>
@@ -2535,7 +2535,7 @@
             <a:fld id="{66221E02-25CB-4963-84BC-0813985E7D90}" type="datetimeFigureOut">
               <a:rPr lang="pl-PL" smtClean="0"/>
               <a:pPr/>
-              <a:t>2018-01-16</a:t>
+              <a:t>2018-01-17</a:t>
             </a:fld>
             <a:endParaRPr lang="pl-PL" dirty="0"/>
           </a:p>
@@ -2627,7 +2627,7 @@
             <a:fld id="{66221E02-25CB-4963-84BC-0813985E7D90}" type="datetimeFigureOut">
               <a:rPr lang="pl-PL" smtClean="0"/>
               <a:pPr/>
-              <a:t>2018-01-16</a:t>
+              <a:t>2018-01-17</a:t>
             </a:fld>
             <a:endParaRPr lang="pl-PL" dirty="0"/>
           </a:p>
@@ -2901,7 +2901,7 @@
             <a:fld id="{66221E02-25CB-4963-84BC-0813985E7D90}" type="datetimeFigureOut">
               <a:rPr lang="pl-PL" smtClean="0"/>
               <a:pPr/>
-              <a:t>2018-01-16</a:t>
+              <a:t>2018-01-17</a:t>
             </a:fld>
             <a:endParaRPr lang="pl-PL" dirty="0"/>
           </a:p>
@@ -3151,7 +3151,7 @@
             <a:fld id="{66221E02-25CB-4963-84BC-0813985E7D90}" type="datetimeFigureOut">
               <a:rPr lang="pl-PL" smtClean="0"/>
               <a:pPr/>
-              <a:t>2018-01-16</a:t>
+              <a:t>2018-01-17</a:t>
             </a:fld>
             <a:endParaRPr lang="pl-PL" dirty="0"/>
           </a:p>
@@ -3361,7 +3361,7 @@
             <a:fld id="{66221E02-25CB-4963-84BC-0813985E7D90}" type="datetimeFigureOut">
               <a:rPr lang="pl-PL" smtClean="0"/>
               <a:pPr/>
-              <a:t>2018-01-16</a:t>
+              <a:t>2018-01-17</a:t>
             </a:fld>
             <a:endParaRPr lang="pl-PL" dirty="0"/>
           </a:p>
@@ -3873,8 +3873,8 @@
         </p:nvSpPr>
         <p:spPr>
           <a:xfrm>
-            <a:off x="3311860" y="6165304"/>
-            <a:ext cx="2520280" cy="400110"/>
+            <a:off x="3257854" y="6165304"/>
+            <a:ext cx="2628292" cy="400110"/>
           </a:xfrm>
           <a:prstGeom prst="rect">
             <a:avLst/>
@@ -3896,7 +3896,27 @@
                   </a:schemeClr>
                 </a:solidFill>
               </a:rPr>
-              <a:t>Mechanika Lotu 2018</a:t>
+              <a:t>Mechanika </a:t>
+            </a:r>
+            <a:r>
+              <a:rPr lang="pl-PL" sz="2000" dirty="0" smtClean="0">
+                <a:solidFill>
+                  <a:schemeClr val="accent6">
+                    <a:lumMod val="75000"/>
+                  </a:schemeClr>
+                </a:solidFill>
+              </a:rPr>
+              <a:t>Nieba </a:t>
+            </a:r>
+            <a:r>
+              <a:rPr lang="pl-PL" sz="2000" dirty="0" smtClean="0">
+                <a:solidFill>
+                  <a:schemeClr val="accent6">
+                    <a:lumMod val="75000"/>
+                  </a:schemeClr>
+                </a:solidFill>
+              </a:rPr>
+              <a:t>2018</a:t>
             </a:r>
             <a:endParaRPr lang="pl-PL" sz="2000" dirty="0">
               <a:solidFill>
@@ -4473,11 +4493,7 @@
             <a:pPr marL="342900" indent="-342900"/>
             <a:r>
               <a:rPr lang="pl-PL" dirty="0" smtClean="0"/>
-              <a:t>Rozwiązanie</a:t>
-            </a:r>
-            <a:r>
-              <a:rPr lang="pl-PL" dirty="0" smtClean="0"/>
-              <a:t>:</a:t>
+              <a:t>Rozwiązanie:</a:t>
             </a:r>
           </a:p>
           <a:p>
@@ -4492,11 +4508,7 @@
             </a:r>
             <a:r>
               <a:rPr lang="pl-PL" dirty="0" smtClean="0"/>
-              <a:t>, </a:t>
-            </a:r>
-            <a:r>
-              <a:rPr lang="pl-PL" dirty="0" smtClean="0"/>
-              <a:t>m</a:t>
+              <a:t>, m</a:t>
             </a:r>
             <a:r>
               <a:rPr lang="pl-PL" baseline="-25000" dirty="0" smtClean="0"/>
@@ -4512,11 +4524,7 @@
             </a:r>
             <a:r>
               <a:rPr lang="pl-PL" dirty="0" smtClean="0"/>
-              <a:t> są </a:t>
-            </a:r>
-            <a:r>
-              <a:rPr lang="pl-PL" dirty="0" smtClean="0"/>
-              <a:t>umieszczone w przestrzeni trójwymiarowej ℝ</a:t>
+              <a:t> są umieszczone w przestrzeni trójwymiarowej ℝ</a:t>
             </a:r>
             <a:r>
               <a:rPr lang="pl-PL" baseline="30000" dirty="0" smtClean="0"/>
@@ -4524,11 +4532,7 @@
             </a:r>
             <a:r>
               <a:rPr lang="pl-PL" dirty="0" smtClean="0"/>
-              <a:t>, a układ odniesienia, w którym się znajdują jest układem inercjalnym. Ciała oddziaływają na siebie jedynie poprzez przyciąganie </a:t>
-            </a:r>
-            <a:r>
-              <a:rPr lang="pl-PL" dirty="0" smtClean="0"/>
-              <a:t>grawitacyjne.</a:t>
+              <a:t>, a układ odniesienia, w którym się znajdują jest układem inercjalnym. Ciała oddziaływają na siebie jedynie poprzez przyciąganie grawitacyjne.</a:t>
             </a:r>
           </a:p>
           <a:p>
@@ -4537,7 +4541,6 @@
               <a:rPr lang="pl-PL" dirty="0" smtClean="0"/>
               <a:t>Każde z ciał ma określony wektor położenia:</a:t>
             </a:r>
-            <a:endParaRPr lang="pl-PL" dirty="0" smtClean="0"/>
           </a:p>
         </p:txBody>
       </p:sp>
